--- a/lesson-8/lesson-08.pptx
+++ b/lesson-8/lesson-08.pptx
@@ -359,7 +359,7 @@
             <a:fld id="{8C964B9E-706D-9244-A1DC-4FB421A588C6}" type="datetimeFigureOut">
               <a:rPr lang="en-US" smtClean="0"/>
               <a:pPr/>
-              <a:t>4/14/24</a:t>
+              <a:t>4/15/24</a:t>
             </a:fld>
             <a:endParaRPr lang="en-US" dirty="0"/>
           </a:p>
@@ -527,7 +527,7 @@
             <a:fld id="{88BC6610-5836-4B43-8846-CBEDBE42B4FC}" type="datetimeFigureOut">
               <a:rPr lang="en-US" smtClean="0"/>
               <a:pPr/>
-              <a:t>4/14/24</a:t>
+              <a:t>4/15/24</a:t>
             </a:fld>
             <a:endParaRPr lang="en-US" dirty="0"/>
           </a:p>
@@ -3824,8 +3824,8 @@
           </a:p>
         </p:txBody>
       </p:sp>
-      <mc:AlternateContent xmlns:mc="http://schemas.openxmlformats.org/markup-compatibility/2006">
-        <mc:Choice xmlns:a14="http://schemas.microsoft.com/office/drawing/2010/main" Requires="a14">
+      <mc:AlternateContent xmlns:mc="http://schemas.openxmlformats.org/markup-compatibility/2006" xmlns:a14="http://schemas.microsoft.com/office/drawing/2010/main">
+        <mc:Choice Requires="a14">
           <p:sp>
             <p:nvSpPr>
               <p:cNvPr id="3" name="内容占位符 2">
@@ -4013,7 +4013,7 @@
             </p:txBody>
           </p:sp>
         </mc:Choice>
-        <mc:Fallback>
+        <mc:Fallback xmlns="">
           <p:sp>
             <p:nvSpPr>
               <p:cNvPr id="3" name="内容占位符 2">
@@ -4205,8 +4205,8 @@
           </a:p>
         </p:txBody>
       </p:sp>
-      <mc:AlternateContent xmlns:mc="http://schemas.openxmlformats.org/markup-compatibility/2006">
-        <mc:Choice xmlns:a14="http://schemas.microsoft.com/office/drawing/2010/main" Requires="a14">
+      <mc:AlternateContent xmlns:mc="http://schemas.openxmlformats.org/markup-compatibility/2006" xmlns:a14="http://schemas.microsoft.com/office/drawing/2010/main">
+        <mc:Choice Requires="a14">
           <p:sp>
             <p:nvSpPr>
               <p:cNvPr id="3" name="内容占位符 2">
@@ -4948,7 +4948,7 @@
             </p:txBody>
           </p:sp>
         </mc:Choice>
-        <mc:Fallback>
+        <mc:Fallback xmlns="">
           <p:sp>
             <p:nvSpPr>
               <p:cNvPr id="3" name="内容占位符 2">
@@ -5080,8 +5080,8 @@
           </a:p>
         </p:txBody>
       </p:sp>
-      <mc:AlternateContent xmlns:mc="http://schemas.openxmlformats.org/markup-compatibility/2006">
-        <mc:Choice xmlns:a14="http://schemas.microsoft.com/office/drawing/2010/main" Requires="a14">
+      <mc:AlternateContent xmlns:mc="http://schemas.openxmlformats.org/markup-compatibility/2006" xmlns:a14="http://schemas.microsoft.com/office/drawing/2010/main">
+        <mc:Choice Requires="a14">
           <p:sp>
             <p:nvSpPr>
               <p:cNvPr id="3" name="内容占位符 2">
@@ -5992,7 +5992,7 @@
             </p:txBody>
           </p:sp>
         </mc:Choice>
-        <mc:Fallback>
+        <mc:Fallback xmlns="">
           <p:sp>
             <p:nvSpPr>
               <p:cNvPr id="3" name="内容占位符 2">
@@ -6373,8 +6373,8 @@
           </a:p>
         </p:txBody>
       </p:sp>
-      <mc:AlternateContent xmlns:mc="http://schemas.openxmlformats.org/markup-compatibility/2006">
-        <mc:Choice xmlns:a14="http://schemas.microsoft.com/office/drawing/2010/main" Requires="a14">
+      <mc:AlternateContent xmlns:mc="http://schemas.openxmlformats.org/markup-compatibility/2006" xmlns:a14="http://schemas.microsoft.com/office/drawing/2010/main">
+        <mc:Choice Requires="a14">
           <p:sp>
             <p:nvSpPr>
               <p:cNvPr id="3" name="内容占位符 2">
@@ -6702,7 +6702,7 @@
             </p:txBody>
           </p:sp>
         </mc:Choice>
-        <mc:Fallback>
+        <mc:Fallback xmlns="">
           <p:sp>
             <p:nvSpPr>
               <p:cNvPr id="3" name="内容占位符 2">
@@ -6844,8 +6844,8 @@
           </a:p>
         </p:txBody>
       </p:sp>
-      <mc:AlternateContent xmlns:mc="http://schemas.openxmlformats.org/markup-compatibility/2006">
-        <mc:Choice xmlns:a14="http://schemas.microsoft.com/office/drawing/2010/main" Requires="a14">
+      <mc:AlternateContent xmlns:mc="http://schemas.openxmlformats.org/markup-compatibility/2006" xmlns:a14="http://schemas.microsoft.com/office/drawing/2010/main">
+        <mc:Choice Requires="a14">
           <p:sp>
             <p:nvSpPr>
               <p:cNvPr id="3" name="内容占位符 2">
@@ -7118,7 +7118,7 @@
             </p:txBody>
           </p:sp>
         </mc:Choice>
-        <mc:Fallback>
+        <mc:Fallback xmlns="">
           <p:sp>
             <p:nvSpPr>
               <p:cNvPr id="3" name="内容占位符 2">
@@ -8317,8 +8317,8 @@
           </a:p>
         </p:txBody>
       </p:sp>
-      <mc:AlternateContent xmlns:mc="http://schemas.openxmlformats.org/markup-compatibility/2006">
-        <mc:Choice xmlns:a14="http://schemas.microsoft.com/office/drawing/2010/main" Requires="a14">
+      <mc:AlternateContent xmlns:mc="http://schemas.openxmlformats.org/markup-compatibility/2006" xmlns:a14="http://schemas.microsoft.com/office/drawing/2010/main">
+        <mc:Choice Requires="a14">
           <p:sp>
             <p:nvSpPr>
               <p:cNvPr id="3" name="内容占位符 2">
@@ -8833,7 +8833,7 @@
             </p:txBody>
           </p:sp>
         </mc:Choice>
-        <mc:Fallback>
+        <mc:Fallback xmlns="">
           <p:sp>
             <p:nvSpPr>
               <p:cNvPr id="3" name="内容占位符 2">
@@ -10153,8 +10153,8 @@
           </a:p>
         </p:txBody>
       </p:sp>
-      <mc:AlternateContent xmlns:mc="http://schemas.openxmlformats.org/markup-compatibility/2006">
-        <mc:Choice xmlns:a14="http://schemas.microsoft.com/office/drawing/2010/main" Requires="a14">
+      <mc:AlternateContent xmlns:mc="http://schemas.openxmlformats.org/markup-compatibility/2006" xmlns:a14="http://schemas.microsoft.com/office/drawing/2010/main">
+        <mc:Choice Requires="a14">
           <p:sp>
             <p:nvSpPr>
               <p:cNvPr id="3" name="内容占位符 2">
@@ -10744,7 +10744,7 @@
             </p:txBody>
           </p:sp>
         </mc:Choice>
-        <mc:Fallback>
+        <mc:Fallback xmlns="">
           <p:sp>
             <p:nvSpPr>
               <p:cNvPr id="3" name="内容占位符 2">
@@ -11067,8 +11067,8 @@
           </a:p>
         </p:txBody>
       </p:sp>
-      <mc:AlternateContent xmlns:mc="http://schemas.openxmlformats.org/markup-compatibility/2006">
-        <mc:Choice xmlns:a14="http://schemas.microsoft.com/office/drawing/2010/main" Requires="a14">
+      <mc:AlternateContent xmlns:mc="http://schemas.openxmlformats.org/markup-compatibility/2006" xmlns:a14="http://schemas.microsoft.com/office/drawing/2010/main">
+        <mc:Choice Requires="a14">
           <p:sp>
             <p:nvSpPr>
               <p:cNvPr id="3" name="内容占位符 2">
@@ -11641,7 +11641,7 @@
             </p:txBody>
           </p:sp>
         </mc:Choice>
-        <mc:Fallback>
+        <mc:Fallback xmlns="">
           <p:sp>
             <p:nvSpPr>
               <p:cNvPr id="3" name="内容占位符 2">
@@ -12191,8 +12191,8 @@
           </a:p>
         </p:txBody>
       </p:sp>
-      <mc:AlternateContent xmlns:mc="http://schemas.openxmlformats.org/markup-compatibility/2006">
-        <mc:Choice xmlns:a14="http://schemas.microsoft.com/office/drawing/2010/main" Requires="a14">
+      <mc:AlternateContent xmlns:mc="http://schemas.openxmlformats.org/markup-compatibility/2006" xmlns:a14="http://schemas.microsoft.com/office/drawing/2010/main">
+        <mc:Choice Requires="a14">
           <p:sp>
             <p:nvSpPr>
               <p:cNvPr id="3" name="内容占位符 2">
@@ -13250,7 +13250,7 @@
             </p:txBody>
           </p:sp>
         </mc:Choice>
-        <mc:Fallback>
+        <mc:Fallback xmlns="">
           <p:sp>
             <p:nvSpPr>
               <p:cNvPr id="3" name="内容占位符 2">
@@ -13748,8 +13748,8 @@
           </a:p>
         </p:txBody>
       </p:sp>
-      <mc:AlternateContent xmlns:mc="http://schemas.openxmlformats.org/markup-compatibility/2006">
-        <mc:Choice xmlns:a14="http://schemas.microsoft.com/office/drawing/2010/main" Requires="a14">
+      <mc:AlternateContent xmlns:mc="http://schemas.openxmlformats.org/markup-compatibility/2006" xmlns:a14="http://schemas.microsoft.com/office/drawing/2010/main">
+        <mc:Choice Requires="a14">
           <p:sp>
             <p:nvSpPr>
               <p:cNvPr id="3" name="内容占位符 2">
@@ -14400,7 +14400,7 @@
             </p:txBody>
           </p:sp>
         </mc:Choice>
-        <mc:Fallback>
+        <mc:Fallback xmlns="">
           <p:sp>
             <p:nvSpPr>
               <p:cNvPr id="3" name="内容占位符 2">
@@ -14532,8 +14532,8 @@
           </a:p>
         </p:txBody>
       </p:sp>
-      <mc:AlternateContent xmlns:mc="http://schemas.openxmlformats.org/markup-compatibility/2006">
-        <mc:Choice xmlns:a14="http://schemas.microsoft.com/office/drawing/2010/main" Requires="a14">
+      <mc:AlternateContent xmlns:mc="http://schemas.openxmlformats.org/markup-compatibility/2006" xmlns:a14="http://schemas.microsoft.com/office/drawing/2010/main">
+        <mc:Choice Requires="a14">
           <p:sp>
             <p:nvSpPr>
               <p:cNvPr id="3" name="内容占位符 2">
@@ -15329,7 +15329,7 @@
             </p:txBody>
           </p:sp>
         </mc:Choice>
-        <mc:Fallback>
+        <mc:Fallback xmlns="">
           <p:sp>
             <p:nvSpPr>
               <p:cNvPr id="3" name="内容占位符 2">
@@ -15461,8 +15461,8 @@
           </a:p>
         </p:txBody>
       </p:sp>
-      <mc:AlternateContent xmlns:mc="http://schemas.openxmlformats.org/markup-compatibility/2006">
-        <mc:Choice xmlns:a14="http://schemas.microsoft.com/office/drawing/2010/main" Requires="a14">
+      <mc:AlternateContent xmlns:mc="http://schemas.openxmlformats.org/markup-compatibility/2006" xmlns:a14="http://schemas.microsoft.com/office/drawing/2010/main">
+        <mc:Choice Requires="a14">
           <p:sp>
             <p:nvSpPr>
               <p:cNvPr id="3" name="内容占位符 2">
@@ -15494,7 +15494,9 @@
                 <a14:m>
                   <m:oMath xmlns:m="http://schemas.openxmlformats.org/officeDocument/2006/math">
                     <m:r>
-                      <a:rPr lang="zh-CN" altLang="en-US" dirty="0"/>
+                      <a:rPr lang="zh-CN" altLang="en-US" dirty="0">
+                        <a:latin typeface="Cambria Math" panose="02040503050406030204" pitchFamily="18" charset="0"/>
+                      </a:rPr>
                       <m:t>表示法</m:t>
                     </m:r>
                   </m:oMath>
@@ -15502,6 +15504,7 @@
                 <a:endParaRPr lang="en-US" altLang="zh-CN" dirty="0"/>
               </a:p>
               <a:p>
+                <a:pPr/>
                 <a14:m>
                   <m:oMathPara xmlns:m="http://schemas.openxmlformats.org/officeDocument/2006/math">
                     <m:oMathParaPr>
@@ -16332,7 +16335,7 @@
             </p:txBody>
           </p:sp>
         </mc:Choice>
-        <mc:Fallback>
+        <mc:Fallback xmlns="">
           <p:sp>
             <p:nvSpPr>
               <p:cNvPr id="3" name="内容占位符 2">
